--- a/Abinaya's Project 2.pptx
+++ b/Abinaya's Project 2.pptx
@@ -2761,7 +2761,7 @@
             </a:r>
             <a:r>
               <a:rPr lang="en-IN" sz="2400" dirty="0"/>
-              <a:t>422200074 ( asunm110422200071 )</a:t>
+              <a:t>422200071 ( asunm110422200071 )</a:t>
             </a:r>
             <a:endParaRPr lang="en-US" sz="2400" dirty="0"/>
           </a:p>
